--- a/TankWar.pptx
+++ b/TankWar.pptx
@@ -6,6 +6,7 @@
   </p:sldMasterIdLst>
   <p:sldIdLst>
     <p:sldId id="256" r:id="rId2"/>
+    <p:sldId id="257" r:id="rId3"/>
   </p:sldIdLst>
   <p:sldSz cx="12192000" cy="6858000"/>
   <p:notesSz cx="6858000" cy="9144000"/>
@@ -243,7 +244,7 @@
           <a:p>
             <a:fld id="{A23FF1E8-40E3-46C9-945C-9756CD146E11}" type="datetimeFigureOut">
               <a:rPr kumimoji="1" lang="ja-JP" altLang="en-US" smtClean="0"/>
-              <a:t>2024/1/16</a:t>
+              <a:t>2024/1/20</a:t>
             </a:fld>
             <a:endParaRPr kumimoji="1" lang="ja-JP" altLang="en-US"/>
           </a:p>
@@ -445,7 +446,7 @@
           <a:p>
             <a:fld id="{A23FF1E8-40E3-46C9-945C-9756CD146E11}" type="datetimeFigureOut">
               <a:rPr kumimoji="1" lang="ja-JP" altLang="en-US" smtClean="0"/>
-              <a:t>2024/1/16</a:t>
+              <a:t>2024/1/20</a:t>
             </a:fld>
             <a:endParaRPr kumimoji="1" lang="ja-JP" altLang="en-US"/>
           </a:p>
@@ -657,7 +658,7 @@
           <a:p>
             <a:fld id="{A23FF1E8-40E3-46C9-945C-9756CD146E11}" type="datetimeFigureOut">
               <a:rPr kumimoji="1" lang="ja-JP" altLang="en-US" smtClean="0"/>
-              <a:t>2024/1/16</a:t>
+              <a:t>2024/1/20</a:t>
             </a:fld>
             <a:endParaRPr kumimoji="1" lang="ja-JP" altLang="en-US"/>
           </a:p>
@@ -859,7 +860,7 @@
           <a:p>
             <a:fld id="{A23FF1E8-40E3-46C9-945C-9756CD146E11}" type="datetimeFigureOut">
               <a:rPr kumimoji="1" lang="ja-JP" altLang="en-US" smtClean="0"/>
-              <a:t>2024/1/16</a:t>
+              <a:t>2024/1/20</a:t>
             </a:fld>
             <a:endParaRPr kumimoji="1" lang="ja-JP" altLang="en-US"/>
           </a:p>
@@ -1105,7 +1106,7 @@
           <a:p>
             <a:fld id="{A23FF1E8-40E3-46C9-945C-9756CD146E11}" type="datetimeFigureOut">
               <a:rPr kumimoji="1" lang="ja-JP" altLang="en-US" smtClean="0"/>
-              <a:t>2024/1/16</a:t>
+              <a:t>2024/1/20</a:t>
             </a:fld>
             <a:endParaRPr kumimoji="1" lang="ja-JP" altLang="en-US"/>
           </a:p>
@@ -1401,7 +1402,7 @@
           <a:p>
             <a:fld id="{A23FF1E8-40E3-46C9-945C-9756CD146E11}" type="datetimeFigureOut">
               <a:rPr kumimoji="1" lang="ja-JP" altLang="en-US" smtClean="0"/>
-              <a:t>2024/1/16</a:t>
+              <a:t>2024/1/20</a:t>
             </a:fld>
             <a:endParaRPr kumimoji="1" lang="ja-JP" altLang="en-US"/>
           </a:p>
@@ -1832,7 +1833,7 @@
           <a:p>
             <a:fld id="{A23FF1E8-40E3-46C9-945C-9756CD146E11}" type="datetimeFigureOut">
               <a:rPr kumimoji="1" lang="ja-JP" altLang="en-US" smtClean="0"/>
-              <a:t>2024/1/16</a:t>
+              <a:t>2024/1/20</a:t>
             </a:fld>
             <a:endParaRPr kumimoji="1" lang="ja-JP" altLang="en-US"/>
           </a:p>
@@ -1950,7 +1951,7 @@
           <a:p>
             <a:fld id="{A23FF1E8-40E3-46C9-945C-9756CD146E11}" type="datetimeFigureOut">
               <a:rPr kumimoji="1" lang="ja-JP" altLang="en-US" smtClean="0"/>
-              <a:t>2024/1/16</a:t>
+              <a:t>2024/1/20</a:t>
             </a:fld>
             <a:endParaRPr kumimoji="1" lang="ja-JP" altLang="en-US"/>
           </a:p>
@@ -2045,7 +2046,7 @@
           <a:p>
             <a:fld id="{A23FF1E8-40E3-46C9-945C-9756CD146E11}" type="datetimeFigureOut">
               <a:rPr kumimoji="1" lang="ja-JP" altLang="en-US" smtClean="0"/>
-              <a:t>2024/1/16</a:t>
+              <a:t>2024/1/20</a:t>
             </a:fld>
             <a:endParaRPr kumimoji="1" lang="ja-JP" altLang="en-US"/>
           </a:p>
@@ -2354,7 +2355,7 @@
           <a:p>
             <a:fld id="{A23FF1E8-40E3-46C9-945C-9756CD146E11}" type="datetimeFigureOut">
               <a:rPr kumimoji="1" lang="ja-JP" altLang="en-US" smtClean="0"/>
-              <a:t>2024/1/16</a:t>
+              <a:t>2024/1/20</a:t>
             </a:fld>
             <a:endParaRPr kumimoji="1" lang="ja-JP" altLang="en-US"/>
           </a:p>
@@ -2607,7 +2608,7 @@
           <a:p>
             <a:fld id="{A23FF1E8-40E3-46C9-945C-9756CD146E11}" type="datetimeFigureOut">
               <a:rPr kumimoji="1" lang="ja-JP" altLang="en-US" smtClean="0"/>
-              <a:t>2024/1/16</a:t>
+              <a:t>2024/1/20</a:t>
             </a:fld>
             <a:endParaRPr kumimoji="1" lang="ja-JP" altLang="en-US"/>
           </a:p>
@@ -2674,7 +2675,9 @@
     <p:bg>
       <p:bgPr>
         <a:solidFill>
-          <a:srgbClr val="FF0000"/>
+          <a:schemeClr val="bg2">
+            <a:lumMod val="75000"/>
+          </a:schemeClr>
         </a:solidFill>
         <a:effectLst/>
       </p:bgPr>
@@ -2855,7 +2858,7 @@
           <a:p>
             <a:fld id="{A23FF1E8-40E3-46C9-945C-9756CD146E11}" type="datetimeFigureOut">
               <a:rPr kumimoji="1" lang="ja-JP" altLang="en-US" smtClean="0"/>
-              <a:t>2024/1/16</a:t>
+              <a:t>2024/1/20</a:t>
             </a:fld>
             <a:endParaRPr kumimoji="1" lang="ja-JP" altLang="en-US"/>
           </a:p>
@@ -3516,6 +3519,138 @@
 </p:sld>
 </file>
 
+<file path=ppt/slides/slide2.xml><?xml version="1.0" encoding="utf-8"?>
+<p:sld xmlns:a="http://schemas.openxmlformats.org/drawingml/2006/main" xmlns:r="http://schemas.openxmlformats.org/officeDocument/2006/relationships" xmlns:p="http://schemas.openxmlformats.org/presentationml/2006/main">
+  <p:cSld>
+    <p:spTree>
+      <p:nvGrpSpPr>
+        <p:cNvPr id="1" name=""/>
+        <p:cNvGrpSpPr/>
+        <p:nvPr/>
+      </p:nvGrpSpPr>
+      <p:grpSpPr>
+        <a:xfrm>
+          <a:off x="0" y="0"/>
+          <a:ext cx="0" cy="0"/>
+          <a:chOff x="0" y="0"/>
+          <a:chExt cx="0" cy="0"/>
+        </a:xfrm>
+      </p:grpSpPr>
+      <p:sp>
+        <p:nvSpPr>
+          <p:cNvPr id="5" name="テキスト ボックス 4"/>
+          <p:cNvSpPr txBox="1"/>
+          <p:nvPr/>
+        </p:nvSpPr>
+        <p:spPr>
+          <a:xfrm>
+            <a:off x="798919" y="4327759"/>
+            <a:ext cx="5694697" cy="1569660"/>
+          </a:xfrm>
+          <a:prstGeom prst="rect">
+            <a:avLst/>
+          </a:prstGeom>
+          <a:noFill/>
+        </p:spPr>
+        <p:txBody>
+          <a:bodyPr wrap="square" rtlCol="0">
+            <a:spAutoFit/>
+          </a:bodyPr>
+          <a:lstStyle/>
+          <a:p>
+            <a:pPr algn="ctr"/>
+            <a:r>
+              <a:rPr kumimoji="1" lang="en-US" altLang="ja-JP" sz="9600" dirty="0" smtClean="0">
+                <a:ln w="57150">
+                  <a:solidFill>
+                    <a:schemeClr val="bg1"/>
+                  </a:solidFill>
+                </a:ln>
+                <a:solidFill>
+                  <a:srgbClr val="0033CC"/>
+                </a:solidFill>
+                <a:latin typeface="Berlin Sans FB Demi" panose="020E0802020502020306" pitchFamily="34" charset="0"/>
+              </a:rPr>
+              <a:t>Defeat</a:t>
+            </a:r>
+            <a:endParaRPr kumimoji="1" lang="ja-JP" altLang="en-US" sz="9600" dirty="0">
+              <a:ln w="57150">
+                <a:solidFill>
+                  <a:schemeClr val="bg1"/>
+                </a:solidFill>
+              </a:ln>
+              <a:solidFill>
+                <a:srgbClr val="0033CC"/>
+              </a:solidFill>
+              <a:latin typeface="Berlin Sans FB Demi" panose="020E0802020502020306" pitchFamily="34" charset="0"/>
+            </a:endParaRPr>
+          </a:p>
+        </p:txBody>
+      </p:sp>
+      <p:sp>
+        <p:nvSpPr>
+          <p:cNvPr id="6" name="テキスト ボックス 5"/>
+          <p:cNvSpPr txBox="1"/>
+          <p:nvPr/>
+        </p:nvSpPr>
+        <p:spPr>
+          <a:xfrm>
+            <a:off x="5111839" y="4327759"/>
+            <a:ext cx="5694697" cy="1569660"/>
+          </a:xfrm>
+          <a:prstGeom prst="rect">
+            <a:avLst/>
+          </a:prstGeom>
+          <a:noFill/>
+        </p:spPr>
+        <p:txBody>
+          <a:bodyPr wrap="square" rtlCol="0">
+            <a:spAutoFit/>
+          </a:bodyPr>
+          <a:lstStyle/>
+          <a:p>
+            <a:pPr algn="ctr"/>
+            <a:r>
+              <a:rPr kumimoji="1" lang="en-US" altLang="ja-JP" sz="9600" dirty="0" smtClean="0">
+                <a:ln w="57150">
+                  <a:solidFill>
+                    <a:schemeClr val="bg1"/>
+                  </a:solidFill>
+                </a:ln>
+                <a:solidFill>
+                  <a:srgbClr val="FFFF00"/>
+                </a:solidFill>
+                <a:latin typeface="Berlin Sans FB Demi" panose="020E0802020502020306" pitchFamily="34" charset="0"/>
+              </a:rPr>
+              <a:t>Victory</a:t>
+            </a:r>
+            <a:endParaRPr kumimoji="1" lang="ja-JP" altLang="en-US" sz="9600" dirty="0">
+              <a:ln w="57150">
+                <a:solidFill>
+                  <a:schemeClr val="bg1"/>
+                </a:solidFill>
+              </a:ln>
+              <a:solidFill>
+                <a:srgbClr val="FFFF00"/>
+              </a:solidFill>
+              <a:latin typeface="Berlin Sans FB Demi" panose="020E0802020502020306" pitchFamily="34" charset="0"/>
+            </a:endParaRPr>
+          </a:p>
+        </p:txBody>
+      </p:sp>
+    </p:spTree>
+    <p:extLst>
+      <p:ext uri="{BB962C8B-B14F-4D97-AF65-F5344CB8AC3E}">
+        <p14:creationId xmlns:p14="http://schemas.microsoft.com/office/powerpoint/2010/main" val="3430370321"/>
+      </p:ext>
+    </p:extLst>
+  </p:cSld>
+  <p:clrMapOvr>
+    <a:masterClrMapping/>
+  </p:clrMapOvr>
+</p:sld>
+</file>
+
 <file path=ppt/theme/theme1.xml><?xml version="1.0" encoding="utf-8"?>
 <a:theme xmlns:a="http://schemas.openxmlformats.org/drawingml/2006/main" name="Office テーマ">
   <a:themeElements>

--- a/TankWar.pptx
+++ b/TankWar.pptx
@@ -244,7 +244,7 @@
           <a:p>
             <a:fld id="{A23FF1E8-40E3-46C9-945C-9756CD146E11}" type="datetimeFigureOut">
               <a:rPr kumimoji="1" lang="ja-JP" altLang="en-US" smtClean="0"/>
-              <a:t>2024/1/20</a:t>
+              <a:t>2024/4/17</a:t>
             </a:fld>
             <a:endParaRPr kumimoji="1" lang="ja-JP" altLang="en-US"/>
           </a:p>
@@ -446,7 +446,7 @@
           <a:p>
             <a:fld id="{A23FF1E8-40E3-46C9-945C-9756CD146E11}" type="datetimeFigureOut">
               <a:rPr kumimoji="1" lang="ja-JP" altLang="en-US" smtClean="0"/>
-              <a:t>2024/1/20</a:t>
+              <a:t>2024/4/17</a:t>
             </a:fld>
             <a:endParaRPr kumimoji="1" lang="ja-JP" altLang="en-US"/>
           </a:p>
@@ -658,7 +658,7 @@
           <a:p>
             <a:fld id="{A23FF1E8-40E3-46C9-945C-9756CD146E11}" type="datetimeFigureOut">
               <a:rPr kumimoji="1" lang="ja-JP" altLang="en-US" smtClean="0"/>
-              <a:t>2024/1/20</a:t>
+              <a:t>2024/4/17</a:t>
             </a:fld>
             <a:endParaRPr kumimoji="1" lang="ja-JP" altLang="en-US"/>
           </a:p>
@@ -860,7 +860,7 @@
           <a:p>
             <a:fld id="{A23FF1E8-40E3-46C9-945C-9756CD146E11}" type="datetimeFigureOut">
               <a:rPr kumimoji="1" lang="ja-JP" altLang="en-US" smtClean="0"/>
-              <a:t>2024/1/20</a:t>
+              <a:t>2024/4/17</a:t>
             </a:fld>
             <a:endParaRPr kumimoji="1" lang="ja-JP" altLang="en-US"/>
           </a:p>
@@ -1106,7 +1106,7 @@
           <a:p>
             <a:fld id="{A23FF1E8-40E3-46C9-945C-9756CD146E11}" type="datetimeFigureOut">
               <a:rPr kumimoji="1" lang="ja-JP" altLang="en-US" smtClean="0"/>
-              <a:t>2024/1/20</a:t>
+              <a:t>2024/4/17</a:t>
             </a:fld>
             <a:endParaRPr kumimoji="1" lang="ja-JP" altLang="en-US"/>
           </a:p>
@@ -1402,7 +1402,7 @@
           <a:p>
             <a:fld id="{A23FF1E8-40E3-46C9-945C-9756CD146E11}" type="datetimeFigureOut">
               <a:rPr kumimoji="1" lang="ja-JP" altLang="en-US" smtClean="0"/>
-              <a:t>2024/1/20</a:t>
+              <a:t>2024/4/17</a:t>
             </a:fld>
             <a:endParaRPr kumimoji="1" lang="ja-JP" altLang="en-US"/>
           </a:p>
@@ -1833,7 +1833,7 @@
           <a:p>
             <a:fld id="{A23FF1E8-40E3-46C9-945C-9756CD146E11}" type="datetimeFigureOut">
               <a:rPr kumimoji="1" lang="ja-JP" altLang="en-US" smtClean="0"/>
-              <a:t>2024/1/20</a:t>
+              <a:t>2024/4/17</a:t>
             </a:fld>
             <a:endParaRPr kumimoji="1" lang="ja-JP" altLang="en-US"/>
           </a:p>
@@ -1951,7 +1951,7 @@
           <a:p>
             <a:fld id="{A23FF1E8-40E3-46C9-945C-9756CD146E11}" type="datetimeFigureOut">
               <a:rPr kumimoji="1" lang="ja-JP" altLang="en-US" smtClean="0"/>
-              <a:t>2024/1/20</a:t>
+              <a:t>2024/4/17</a:t>
             </a:fld>
             <a:endParaRPr kumimoji="1" lang="ja-JP" altLang="en-US"/>
           </a:p>
@@ -2046,7 +2046,7 @@
           <a:p>
             <a:fld id="{A23FF1E8-40E3-46C9-945C-9756CD146E11}" type="datetimeFigureOut">
               <a:rPr kumimoji="1" lang="ja-JP" altLang="en-US" smtClean="0"/>
-              <a:t>2024/1/20</a:t>
+              <a:t>2024/4/17</a:t>
             </a:fld>
             <a:endParaRPr kumimoji="1" lang="ja-JP" altLang="en-US"/>
           </a:p>
@@ -2355,7 +2355,7 @@
           <a:p>
             <a:fld id="{A23FF1E8-40E3-46C9-945C-9756CD146E11}" type="datetimeFigureOut">
               <a:rPr kumimoji="1" lang="ja-JP" altLang="en-US" smtClean="0"/>
-              <a:t>2024/1/20</a:t>
+              <a:t>2024/4/17</a:t>
             </a:fld>
             <a:endParaRPr kumimoji="1" lang="ja-JP" altLang="en-US"/>
           </a:p>
@@ -2608,7 +2608,7 @@
           <a:p>
             <a:fld id="{A23FF1E8-40E3-46C9-945C-9756CD146E11}" type="datetimeFigureOut">
               <a:rPr kumimoji="1" lang="ja-JP" altLang="en-US" smtClean="0"/>
-              <a:t>2024/1/20</a:t>
+              <a:t>2024/4/17</a:t>
             </a:fld>
             <a:endParaRPr kumimoji="1" lang="ja-JP" altLang="en-US"/>
           </a:p>
@@ -2858,7 +2858,7 @@
           <a:p>
             <a:fld id="{A23FF1E8-40E3-46C9-945C-9756CD146E11}" type="datetimeFigureOut">
               <a:rPr kumimoji="1" lang="ja-JP" altLang="en-US" smtClean="0"/>
-              <a:t>2024/1/20</a:t>
+              <a:t>2024/4/17</a:t>
             </a:fld>
             <a:endParaRPr kumimoji="1" lang="ja-JP" altLang="en-US"/>
           </a:p>
@@ -3265,13 +3265,59 @@
       </p:grpSpPr>
       <p:sp>
         <p:nvSpPr>
+          <p:cNvPr id="6" name="正方形/長方形 5"/>
+          <p:cNvSpPr/>
+          <p:nvPr/>
+        </p:nvSpPr>
+        <p:spPr>
+          <a:xfrm>
+            <a:off x="0" y="2983345"/>
+            <a:ext cx="9486555" cy="3740728"/>
+          </a:xfrm>
+          <a:prstGeom prst="rect">
+            <a:avLst/>
+          </a:prstGeom>
+          <a:solidFill>
+            <a:schemeClr val="tx1"/>
+          </a:solidFill>
+          <a:ln>
+            <a:noFill/>
+          </a:ln>
+        </p:spPr>
+        <p:style>
+          <a:lnRef idx="2">
+            <a:schemeClr val="accent1">
+              <a:shade val="50000"/>
+            </a:schemeClr>
+          </a:lnRef>
+          <a:fillRef idx="1">
+            <a:schemeClr val="accent1"/>
+          </a:fillRef>
+          <a:effectRef idx="0">
+            <a:schemeClr val="accent1"/>
+          </a:effectRef>
+          <a:fontRef idx="minor">
+            <a:schemeClr val="lt1"/>
+          </a:fontRef>
+        </p:style>
+        <p:txBody>
+          <a:bodyPr rtlCol="0" anchor="ctr"/>
+          <a:lstStyle/>
+          <a:p>
+            <a:pPr algn="ctr"/>
+            <a:endParaRPr kumimoji="1" lang="ja-JP" altLang="en-US"/>
+          </a:p>
+        </p:txBody>
+      </p:sp>
+      <p:sp>
+        <p:nvSpPr>
           <p:cNvPr id="3" name="正方形/長方形 2"/>
           <p:cNvSpPr/>
           <p:nvPr/>
         </p:nvSpPr>
         <p:spPr>
           <a:xfrm>
-            <a:off x="0" y="3699164"/>
+            <a:off x="240145" y="3200400"/>
             <a:ext cx="8920711" cy="3158836"/>
           </a:xfrm>
           <a:prstGeom prst="rect">
@@ -3372,7 +3418,7 @@
         </p:nvSpPr>
         <p:spPr>
           <a:xfrm>
-            <a:off x="1950720" y="3977640"/>
+            <a:off x="4700500" y="184312"/>
             <a:ext cx="7810500" cy="707886"/>
           </a:xfrm>
           <a:prstGeom prst="rect">
@@ -3459,7 +3505,7 @@
         </p:nvSpPr>
         <p:spPr>
           <a:xfrm>
-            <a:off x="3395980" y="3066474"/>
+            <a:off x="1992053" y="1453792"/>
             <a:ext cx="579120" cy="591126"/>
           </a:xfrm>
           <a:prstGeom prst="heart">
@@ -3496,6 +3542,58 @@
           <a:p>
             <a:pPr algn="ctr"/>
             <a:endParaRPr kumimoji="1" lang="ja-JP" altLang="en-US"/>
+          </a:p>
+        </p:txBody>
+      </p:sp>
+      <p:sp>
+        <p:nvSpPr>
+          <p:cNvPr id="7" name="フレーム 6"/>
+          <p:cNvSpPr/>
+          <p:nvPr/>
+        </p:nvSpPr>
+        <p:spPr>
+          <a:xfrm>
+            <a:off x="-1" y="2983345"/>
+            <a:ext cx="9486555" cy="3740728"/>
+          </a:xfrm>
+          <a:prstGeom prst="frame">
+            <a:avLst>
+              <a:gd name="adj1" fmla="val 3858"/>
+            </a:avLst>
+          </a:prstGeom>
+          <a:solidFill>
+            <a:schemeClr val="tx1"/>
+          </a:solidFill>
+          <a:ln>
+            <a:noFill/>
+          </a:ln>
+        </p:spPr>
+        <p:style>
+          <a:lnRef idx="2">
+            <a:schemeClr val="accent1">
+              <a:shade val="50000"/>
+            </a:schemeClr>
+          </a:lnRef>
+          <a:fillRef idx="1">
+            <a:schemeClr val="accent1"/>
+          </a:fillRef>
+          <a:effectRef idx="0">
+            <a:schemeClr val="accent1"/>
+          </a:effectRef>
+          <a:fontRef idx="minor">
+            <a:schemeClr val="lt1"/>
+          </a:fontRef>
+        </p:style>
+        <p:txBody>
+          <a:bodyPr rtlCol="0" anchor="ctr"/>
+          <a:lstStyle/>
+          <a:p>
+            <a:pPr algn="ctr"/>
+            <a:endParaRPr kumimoji="1" lang="ja-JP" altLang="en-US">
+              <a:solidFill>
+                <a:schemeClr val="tx1"/>
+              </a:solidFill>
+            </a:endParaRPr>
           </a:p>
         </p:txBody>
       </p:sp>
